--- a/img/todolistApp_slides.pptx
+++ b/img/todolistApp_slides.pptx
@@ -3702,7 +3702,7 @@
           <a:p>
             <a:fld id="{B4A751E8-9267-481F-9ED0-3D6415FC7452}" type="datetimeFigureOut">
               <a:rPr lang="en-GB" smtClean="0"/>
-              <a:t>07/02/2022</a:t>
+              <a:t>08/02/2022</a:t>
             </a:fld>
             <a:endParaRPr lang="en-GB"/>
           </a:p>
@@ -4021,7 +4021,7 @@
           <a:p>
             <a:r>
               <a:rPr lang="en-GB" dirty="0"/>
-              <a:t>Welcome. We are a team consisting of three members: Victoria, David and myself. </a:t>
+              <a:t>Welcome Team Awesome. Our Team has three members: Victoria, David and myself. </a:t>
             </a:r>
             <a:br>
               <a:rPr lang="en-GB" dirty="0"/>
@@ -5136,7 +5136,7 @@
           <a:p>
             <a:r>
               <a:rPr lang="en-GB" dirty="0"/>
-              <a:t>I will go through first two items : Design Analysis and Agile Project Methodology + Tech Stack and code.</a:t>
+              <a:t>This is our presentation agenda. I will go through first two items : Design Analysis and Agile Project Methodology + Tech Stack and code.</a:t>
             </a:r>
           </a:p>
         </p:txBody>
@@ -5320,7 +5320,7 @@
           <a:p>
             <a:r>
               <a:rPr lang="en-GB" dirty="0"/>
-              <a:t>For planning, we used Trello and List all the tasks and split among our team members.</a:t>
+              <a:t>For planning, we used Trello and List all the tasks and split the tasks among our team members.</a:t>
             </a:r>
           </a:p>
         </p:txBody>
@@ -5714,7 +5714,7 @@
           <a:p>
             <a:r>
               <a:rPr lang="en-GB" dirty="0"/>
-              <a:t>Now, I will handover to Victoria for Sprint-2 &amp; 3 all mandatory tasks demo.</a:t>
+              <a:t>Now, I will handover to Victoria for Sprint-2 &amp; 3 tasks demo.</a:t>
             </a:r>
           </a:p>
         </p:txBody>
@@ -5986,7 +5986,7 @@
           <a:p>
             <a:fld id="{188BF436-F16F-4603-92E4-D1574BDBC4A4}" type="datetime1">
               <a:rPr lang="en-GB" smtClean="0"/>
-              <a:t>07/02/2022</a:t>
+              <a:t>08/02/2022</a:t>
             </a:fld>
             <a:endParaRPr lang="en-GB"/>
           </a:p>
@@ -6160,7 +6160,7 @@
           <a:p>
             <a:fld id="{86319EE0-2199-4C14-9330-47D01590C563}" type="datetime1">
               <a:rPr lang="en-GB" smtClean="0"/>
-              <a:t>07/02/2022</a:t>
+              <a:t>08/02/2022</a:t>
             </a:fld>
             <a:endParaRPr lang="en-GB"/>
           </a:p>
@@ -6340,7 +6340,7 @@
           <a:p>
             <a:fld id="{8413743D-70CB-4B22-9D8C-6A61F233BA03}" type="datetime1">
               <a:rPr lang="en-GB" smtClean="0"/>
-              <a:t>07/02/2022</a:t>
+              <a:t>08/02/2022</a:t>
             </a:fld>
             <a:endParaRPr lang="en-GB"/>
           </a:p>
@@ -6510,7 +6510,7 @@
           <a:p>
             <a:fld id="{1F5CCAE8-4D96-4549-9B26-67BE77590409}" type="datetime1">
               <a:rPr lang="en-GB" smtClean="0"/>
-              <a:t>07/02/2022</a:t>
+              <a:t>08/02/2022</a:t>
             </a:fld>
             <a:endParaRPr lang="en-GB"/>
           </a:p>
@@ -6758,7 +6758,7 @@
           <a:p>
             <a:fld id="{1E40AF74-DC1E-4A34-AC51-5749F9A40A2B}" type="datetime1">
               <a:rPr lang="en-GB" smtClean="0"/>
-              <a:t>07/02/2022</a:t>
+              <a:t>08/02/2022</a:t>
             </a:fld>
             <a:endParaRPr lang="en-GB"/>
           </a:p>
@@ -6990,7 +6990,7 @@
           <a:p>
             <a:fld id="{F2911F06-1F61-46F0-98FA-985AD34D79D8}" type="datetime1">
               <a:rPr lang="en-GB" smtClean="0"/>
-              <a:t>07/02/2022</a:t>
+              <a:t>08/02/2022</a:t>
             </a:fld>
             <a:endParaRPr lang="en-GB"/>
           </a:p>
@@ -7357,7 +7357,7 @@
           <a:p>
             <a:fld id="{AA12B8BD-A8D3-4D79-B172-2519D907C88E}" type="datetime1">
               <a:rPr lang="en-GB" smtClean="0"/>
-              <a:t>07/02/2022</a:t>
+              <a:t>08/02/2022</a:t>
             </a:fld>
             <a:endParaRPr lang="en-GB"/>
           </a:p>
@@ -7475,7 +7475,7 @@
           <a:p>
             <a:fld id="{A215096B-72B5-4BA6-B096-ED1C8F8A2694}" type="datetime1">
               <a:rPr lang="en-GB" smtClean="0"/>
-              <a:t>07/02/2022</a:t>
+              <a:t>08/02/2022</a:t>
             </a:fld>
             <a:endParaRPr lang="en-GB"/>
           </a:p>
@@ -7570,7 +7570,7 @@
           <a:p>
             <a:fld id="{3756A7BE-7E7F-40AF-98D4-C6405B56EF8B}" type="datetime1">
               <a:rPr lang="en-GB" smtClean="0"/>
-              <a:t>07/02/2022</a:t>
+              <a:t>08/02/2022</a:t>
             </a:fld>
             <a:endParaRPr lang="en-GB"/>
           </a:p>
@@ -7847,7 +7847,7 @@
           <a:p>
             <a:fld id="{7B913207-9966-43BE-BCB0-1713BE162CFC}" type="datetime1">
               <a:rPr lang="en-GB" smtClean="0"/>
-              <a:t>07/02/2022</a:t>
+              <a:t>08/02/2022</a:t>
             </a:fld>
             <a:endParaRPr lang="en-GB"/>
           </a:p>
@@ -8104,7 +8104,7 @@
           <a:p>
             <a:fld id="{4EE2E0B5-35C5-47FC-B7BE-B0307860944C}" type="datetime1">
               <a:rPr lang="en-GB" smtClean="0"/>
-              <a:t>07/02/2022</a:t>
+              <a:t>08/02/2022</a:t>
             </a:fld>
             <a:endParaRPr lang="en-GB"/>
           </a:p>
@@ -8317,7 +8317,7 @@
           <a:p>
             <a:fld id="{F2F2B66B-B3BC-4EAB-BFF1-255436213758}" type="datetime1">
               <a:rPr lang="en-GB" smtClean="0"/>
-              <a:t>07/02/2022</a:t>
+              <a:t>08/02/2022</a:t>
             </a:fld>
             <a:endParaRPr lang="en-GB"/>
           </a:p>
@@ -9169,6 +9169,162 @@
               <a:latin typeface="Arial" panose="020B0604020202020204" pitchFamily="34" charset="0"/>
               <a:cs typeface="Arial" panose="020B0604020202020204" pitchFamily="34" charset="0"/>
             </a:endParaRPr>
+          </a:p>
+        </p:txBody>
+      </p:sp>
+      <p:sp>
+        <p:nvSpPr>
+          <p:cNvPr id="6" name="Rectangle: Rounded Corners 5">
+            <a:extLst>
+              <a:ext uri="{FF2B5EF4-FFF2-40B4-BE49-F238E27FC236}">
+                <a16:creationId xmlns:a16="http://schemas.microsoft.com/office/drawing/2014/main" id="{E55808A9-816C-4D03-9F90-8854025759DB}"/>
+              </a:ext>
+            </a:extLst>
+          </p:cNvPr>
+          <p:cNvSpPr/>
+          <p:nvPr/>
+        </p:nvSpPr>
+        <p:spPr>
+          <a:xfrm>
+            <a:off x="156394" y="182227"/>
+            <a:ext cx="3178477" cy="212220"/>
+          </a:xfrm>
+          <a:prstGeom prst="roundRect">
+            <a:avLst/>
+          </a:prstGeom>
+          <a:noFill/>
+          <a:ln w="38100">
+            <a:solidFill>
+              <a:srgbClr val="92D050"/>
+            </a:solidFill>
+          </a:ln>
+        </p:spPr>
+        <p:style>
+          <a:lnRef idx="2">
+            <a:schemeClr val="accent1">
+              <a:shade val="50000"/>
+            </a:schemeClr>
+          </a:lnRef>
+          <a:fillRef idx="1">
+            <a:schemeClr val="accent1"/>
+          </a:fillRef>
+          <a:effectRef idx="0">
+            <a:schemeClr val="accent1"/>
+          </a:effectRef>
+          <a:fontRef idx="minor">
+            <a:schemeClr val="lt1"/>
+          </a:fontRef>
+        </p:style>
+        <p:txBody>
+          <a:bodyPr rtlCol="0" anchor="ctr"/>
+          <a:lstStyle/>
+          <a:p>
+            <a:pPr algn="ctr"/>
+            <a:endParaRPr lang="en-AU"/>
+          </a:p>
+        </p:txBody>
+      </p:sp>
+      <p:sp>
+        <p:nvSpPr>
+          <p:cNvPr id="8" name="Rectangle: Rounded Corners 7">
+            <a:extLst>
+              <a:ext uri="{FF2B5EF4-FFF2-40B4-BE49-F238E27FC236}">
+                <a16:creationId xmlns:a16="http://schemas.microsoft.com/office/drawing/2014/main" id="{DF6DFBFD-36C0-452D-AB68-4286CCA0CF0B}"/>
+              </a:ext>
+            </a:extLst>
+          </p:cNvPr>
+          <p:cNvSpPr/>
+          <p:nvPr/>
+        </p:nvSpPr>
+        <p:spPr>
+          <a:xfrm>
+            <a:off x="156394" y="574629"/>
+            <a:ext cx="4245277" cy="886617"/>
+          </a:xfrm>
+          <a:prstGeom prst="roundRect">
+            <a:avLst/>
+          </a:prstGeom>
+          <a:noFill/>
+          <a:ln w="38100">
+            <a:solidFill>
+              <a:srgbClr val="92D050"/>
+            </a:solidFill>
+          </a:ln>
+        </p:spPr>
+        <p:style>
+          <a:lnRef idx="2">
+            <a:schemeClr val="accent1">
+              <a:shade val="50000"/>
+            </a:schemeClr>
+          </a:lnRef>
+          <a:fillRef idx="1">
+            <a:schemeClr val="accent1"/>
+          </a:fillRef>
+          <a:effectRef idx="0">
+            <a:schemeClr val="accent1"/>
+          </a:effectRef>
+          <a:fontRef idx="minor">
+            <a:schemeClr val="lt1"/>
+          </a:fontRef>
+        </p:style>
+        <p:txBody>
+          <a:bodyPr rtlCol="0" anchor="ctr"/>
+          <a:lstStyle/>
+          <a:p>
+            <a:pPr algn="ctr"/>
+            <a:endParaRPr lang="en-AU"/>
+          </a:p>
+        </p:txBody>
+      </p:sp>
+      <p:sp>
+        <p:nvSpPr>
+          <p:cNvPr id="9" name="Rectangle: Rounded Corners 8">
+            <a:extLst>
+              <a:ext uri="{FF2B5EF4-FFF2-40B4-BE49-F238E27FC236}">
+                <a16:creationId xmlns:a16="http://schemas.microsoft.com/office/drawing/2014/main" id="{8FF434D0-6264-4090-85C8-B5B5BA0AF31E}"/>
+              </a:ext>
+            </a:extLst>
+          </p:cNvPr>
+          <p:cNvSpPr/>
+          <p:nvPr/>
+        </p:nvSpPr>
+        <p:spPr>
+          <a:xfrm>
+            <a:off x="389476" y="4262778"/>
+            <a:ext cx="4245277" cy="219575"/>
+          </a:xfrm>
+          <a:prstGeom prst="roundRect">
+            <a:avLst/>
+          </a:prstGeom>
+          <a:noFill/>
+          <a:ln w="38100">
+            <a:solidFill>
+              <a:srgbClr val="92D050"/>
+            </a:solidFill>
+          </a:ln>
+        </p:spPr>
+        <p:style>
+          <a:lnRef idx="2">
+            <a:schemeClr val="accent1">
+              <a:shade val="50000"/>
+            </a:schemeClr>
+          </a:lnRef>
+          <a:fillRef idx="1">
+            <a:schemeClr val="accent1"/>
+          </a:fillRef>
+          <a:effectRef idx="0">
+            <a:schemeClr val="accent1"/>
+          </a:effectRef>
+          <a:fontRef idx="minor">
+            <a:schemeClr val="lt1"/>
+          </a:fontRef>
+        </p:style>
+        <p:txBody>
+          <a:bodyPr rtlCol="0" anchor="ctr"/>
+          <a:lstStyle/>
+          <a:p>
+            <a:pPr algn="ctr"/>
+            <a:endParaRPr lang="en-AU"/>
           </a:p>
         </p:txBody>
       </p:sp>
@@ -18959,9 +19115,12 @@
 </file>
 
 <file path=customXml/item1.xml><?xml version="1.0" encoding="utf-8"?>
-<p:properties xmlns:p="http://schemas.microsoft.com/office/2006/metadata/properties" xmlns:xsi="http://www.w3.org/2001/XMLSchema-instance" xmlns:pc="http://schemas.microsoft.com/office/infopath/2007/PartnerControls">
-  <documentManagement/>
-</p:properties>
+<?mso-contentType ?>
+<FormTemplates xmlns="http://schemas.microsoft.com/sharepoint/v3/contenttype/forms">
+  <Display>DocumentLibraryForm</Display>
+  <Edit>DocumentLibraryForm</Edit>
+  <New>DocumentLibraryForm</New>
+</FormTemplates>
 </file>
 
 <file path=customXml/item2.xml><?xml version="1.0" encoding="utf-8"?>
@@ -19136,27 +19295,15 @@
 </file>
 
 <file path=customXml/item3.xml><?xml version="1.0" encoding="utf-8"?>
-<?mso-contentType ?>
-<FormTemplates xmlns="http://schemas.microsoft.com/sharepoint/v3/contenttype/forms">
-  <Display>DocumentLibraryForm</Display>
-  <Edit>DocumentLibraryForm</Edit>
-  <New>DocumentLibraryForm</New>
-</FormTemplates>
+<p:properties xmlns:p="http://schemas.microsoft.com/office/2006/metadata/properties" xmlns:xsi="http://www.w3.org/2001/XMLSchema-instance" xmlns:pc="http://schemas.microsoft.com/office/infopath/2007/PartnerControls">
+  <documentManagement/>
+</p:properties>
 </file>
 
 <file path=customXml/itemProps1.xml><?xml version="1.0" encoding="utf-8"?>
-<ds:datastoreItem xmlns:ds="http://schemas.openxmlformats.org/officeDocument/2006/customXml" ds:itemID="{E10A9764-A70A-46B7-B3FF-ACE451D0597B}">
+<ds:datastoreItem xmlns:ds="http://schemas.openxmlformats.org/officeDocument/2006/customXml" ds:itemID="{1E63731D-55D6-48C7-A93E-889FBDFA8C63}">
   <ds:schemaRefs>
-    <ds:schemaRef ds:uri="02c51461-bf24-400b-b0ac-4a58d6cbdd35"/>
-    <ds:schemaRef ds:uri="http://schemas.microsoft.com/office/2006/documentManagement/types"/>
-    <ds:schemaRef ds:uri="http://purl.org/dc/terms/"/>
-    <ds:schemaRef ds:uri="http://schemas.openxmlformats.org/package/2006/metadata/core-properties"/>
-    <ds:schemaRef ds:uri="http://purl.org/dc/dcmitype/"/>
-    <ds:schemaRef ds:uri="http://schemas.microsoft.com/office/infopath/2007/PartnerControls"/>
-    <ds:schemaRef ds:uri="6e06774a-f37f-46e7-9e87-31458e10f84f"/>
-    <ds:schemaRef ds:uri="http://purl.org/dc/elements/1.1/"/>
-    <ds:schemaRef ds:uri="http://schemas.microsoft.com/office/2006/metadata/properties"/>
-    <ds:schemaRef ds:uri="http://www.w3.org/XML/1998/namespace"/>
+    <ds:schemaRef ds:uri="http://schemas.microsoft.com/sharepoint/v3/contenttype/forms"/>
   </ds:schemaRefs>
 </ds:datastoreItem>
 </file>
@@ -19181,9 +19328,18 @@
 </file>
 
 <file path=customXml/itemProps3.xml><?xml version="1.0" encoding="utf-8"?>
-<ds:datastoreItem xmlns:ds="http://schemas.openxmlformats.org/officeDocument/2006/customXml" ds:itemID="{1E63731D-55D6-48C7-A93E-889FBDFA8C63}">
+<ds:datastoreItem xmlns:ds="http://schemas.openxmlformats.org/officeDocument/2006/customXml" ds:itemID="{E10A9764-A70A-46B7-B3FF-ACE451D0597B}">
   <ds:schemaRefs>
-    <ds:schemaRef ds:uri="http://schemas.microsoft.com/sharepoint/v3/contenttype/forms"/>
+    <ds:schemaRef ds:uri="02c51461-bf24-400b-b0ac-4a58d6cbdd35"/>
+    <ds:schemaRef ds:uri="http://schemas.microsoft.com/office/2006/documentManagement/types"/>
+    <ds:schemaRef ds:uri="http://purl.org/dc/terms/"/>
+    <ds:schemaRef ds:uri="http://schemas.openxmlformats.org/package/2006/metadata/core-properties"/>
+    <ds:schemaRef ds:uri="http://purl.org/dc/dcmitype/"/>
+    <ds:schemaRef ds:uri="http://schemas.microsoft.com/office/infopath/2007/PartnerControls"/>
+    <ds:schemaRef ds:uri="6e06774a-f37f-46e7-9e87-31458e10f84f"/>
+    <ds:schemaRef ds:uri="http://purl.org/dc/elements/1.1/"/>
+    <ds:schemaRef ds:uri="http://schemas.microsoft.com/office/2006/metadata/properties"/>
+    <ds:schemaRef ds:uri="http://www.w3.org/XML/1998/namespace"/>
   </ds:schemaRefs>
 </ds:datastoreItem>
 </file>
--- a/img/todolistApp_slides.pptx
+++ b/img/todolistApp_slides.pptx
@@ -4021,7 +4021,7 @@
           <a:p>
             <a:r>
               <a:rPr lang="en-GB" dirty="0"/>
-              <a:t>Welcome Team Awesome. Our Team has three members: Victoria, David and myself. </a:t>
+              <a:t>Welcome, our Team has three members: Victoria, David and myself. </a:t>
             </a:r>
             <a:br>
               <a:rPr lang="en-GB" dirty="0"/>
@@ -4031,7 +4031,7 @@
           <a:p>
             <a:r>
               <a:rPr lang="en-GB" dirty="0"/>
-              <a:t>Our app will enable users to add tasks, track, update, edit and delete tasks.</a:t>
+              <a:t>Our app will enable users to add, track, update, edit and delete tasks.</a:t>
             </a:r>
           </a:p>
           <a:p>
@@ -4236,7 +4236,7 @@
             </a:r>
             <a:r>
               <a:rPr lang="en-GB" dirty="0" err="1"/>
-              <a:t>Unplash</a:t>
+              <a:t>Unsplash</a:t>
             </a:r>
             <a:r>
               <a:rPr lang="en-GB" dirty="0"/>
@@ -4338,15 +4338,15 @@
           <a:p>
             <a:r>
               <a:rPr lang="en-GB" dirty="0"/>
-              <a:t>For Drag and drop API, all tasks items needs to be draggable first so that they all can be dragged and dropped into the drop zone. For that, we add draggable=true and added </a:t>
+              <a:t>To implement drag and drop, tasks have been set to draggable=true. This allows them to be dragged and dropped into the drop zone. We have also added an </a:t>
             </a:r>
             <a:r>
               <a:rPr lang="en-GB" dirty="0" err="1"/>
-              <a:t>ondragstart</a:t>
+              <a:t>onDragStart</a:t>
             </a:r>
             <a:r>
               <a:rPr lang="en-GB" dirty="0"/>
-              <a:t>.</a:t>
+              <a:t> event.</a:t>
             </a:r>
           </a:p>
           <a:p>
@@ -4460,7 +4460,7 @@
             </a:r>
             <a:r>
               <a:rPr lang="en-GB" dirty="0"/>
-              <a:t> function. In here, you can see that for every change, </a:t>
+              <a:t> function. In here, you can see that for every drag and drop, </a:t>
             </a:r>
             <a:r>
               <a:rPr lang="en-GB" dirty="0" err="1"/>
@@ -4468,7 +4468,7 @@
             </a:r>
             <a:r>
               <a:rPr lang="en-GB" dirty="0"/>
-              <a:t> gets saved and rendered.</a:t>
+              <a:t> saves and renders.</a:t>
             </a:r>
           </a:p>
           <a:p>
@@ -4566,15 +4566,15 @@
           <a:p>
             <a:r>
               <a:rPr lang="en-GB" dirty="0"/>
-              <a:t>For </a:t>
+              <a:t>We have refactored the </a:t>
             </a:r>
             <a:r>
               <a:rPr lang="en-GB" dirty="0" err="1"/>
-              <a:t>TaskManager</a:t>
+              <a:t>Taskmanager</a:t>
             </a:r>
             <a:r>
               <a:rPr lang="en-GB" dirty="0"/>
-              <a:t> class, we can see the refactor opportunity and have brought </a:t>
+              <a:t> class, and have brought </a:t>
             </a:r>
             <a:r>
               <a:rPr lang="en-GB" dirty="0" err="1"/>
@@ -4582,15 +4582,7 @@
             </a:r>
             <a:r>
               <a:rPr lang="en-GB" dirty="0"/>
-              <a:t> function into the </a:t>
-            </a:r>
-            <a:r>
-              <a:rPr lang="en-GB" dirty="0" err="1"/>
-              <a:t>TaskManager</a:t>
-            </a:r>
-            <a:r>
-              <a:rPr lang="en-GB" dirty="0"/>
-              <a:t> class so that it encapsulates well inside this class  in accordance with OOP principle. </a:t>
+              <a:t> function inside. This is in accordance with OOP encapsulation principles. </a:t>
             </a:r>
           </a:p>
           <a:p>
@@ -5596,7 +5588,7 @@
           <a:p>
             <a:r>
               <a:rPr lang="en-GB" dirty="0"/>
-              <a:t>Majority of our code was written using pair programming approach. For each split task, we ensured we reviewed each other code prior to merging.</a:t>
+              <a:t>Majority of our code was written using pair programming approach. For individual tasks, we ensured we reviewed PR prior to merging.</a:t>
             </a:r>
           </a:p>
           <a:p>
@@ -5714,7 +5706,7 @@
           <a:p>
             <a:r>
               <a:rPr lang="en-GB" dirty="0"/>
-              <a:t>Now, I will handover to Victoria for Sprint-2 &amp; 3 tasks demo.</a:t>
+              <a:t>Now, I will handover to Victoria for a demo.</a:t>
             </a:r>
           </a:p>
         </p:txBody>
@@ -9889,6 +9881,58 @@
           </a:prstGeom>
         </p:spPr>
       </p:pic>
+      <p:sp>
+        <p:nvSpPr>
+          <p:cNvPr id="5" name="Rectangle: Rounded Corners 4">
+            <a:extLst>
+              <a:ext uri="{FF2B5EF4-FFF2-40B4-BE49-F238E27FC236}">
+                <a16:creationId xmlns:a16="http://schemas.microsoft.com/office/drawing/2014/main" id="{DDB9031B-1315-4494-AD85-3D5557D5CC43}"/>
+              </a:ext>
+            </a:extLst>
+          </p:cNvPr>
+          <p:cNvSpPr/>
+          <p:nvPr/>
+        </p:nvSpPr>
+        <p:spPr>
+          <a:xfrm>
+            <a:off x="73944" y="821635"/>
+            <a:ext cx="5209609" cy="501138"/>
+          </a:xfrm>
+          <a:prstGeom prst="roundRect">
+            <a:avLst/>
+          </a:prstGeom>
+          <a:noFill/>
+          <a:ln w="38100">
+            <a:solidFill>
+              <a:srgbClr val="92D050"/>
+            </a:solidFill>
+          </a:ln>
+        </p:spPr>
+        <p:style>
+          <a:lnRef idx="2">
+            <a:schemeClr val="accent1">
+              <a:shade val="50000"/>
+            </a:schemeClr>
+          </a:lnRef>
+          <a:fillRef idx="1">
+            <a:schemeClr val="accent1"/>
+          </a:fillRef>
+          <a:effectRef idx="0">
+            <a:schemeClr val="accent1"/>
+          </a:effectRef>
+          <a:fontRef idx="minor">
+            <a:schemeClr val="lt1"/>
+          </a:fontRef>
+        </p:style>
+        <p:txBody>
+          <a:bodyPr rtlCol="0" anchor="ctr"/>
+          <a:lstStyle/>
+          <a:p>
+            <a:pPr algn="ctr"/>
+            <a:endParaRPr lang="en-AU"/>
+          </a:p>
+        </p:txBody>
+      </p:sp>
     </p:spTree>
     <p:extLst>
       <p:ext uri="{BB962C8B-B14F-4D97-AF65-F5344CB8AC3E}">
@@ -19115,12 +19159,9 @@
 </file>
 
 <file path=customXml/item1.xml><?xml version="1.0" encoding="utf-8"?>
-<?mso-contentType ?>
-<FormTemplates xmlns="http://schemas.microsoft.com/sharepoint/v3/contenttype/forms">
-  <Display>DocumentLibraryForm</Display>
-  <Edit>DocumentLibraryForm</Edit>
-  <New>DocumentLibraryForm</New>
-</FormTemplates>
+<p:properties xmlns:p="http://schemas.microsoft.com/office/2006/metadata/properties" xmlns:xsi="http://www.w3.org/2001/XMLSchema-instance" xmlns:pc="http://schemas.microsoft.com/office/infopath/2007/PartnerControls">
+  <documentManagement/>
+</p:properties>
 </file>
 
 <file path=customXml/item2.xml><?xml version="1.0" encoding="utf-8"?>
@@ -19295,15 +19336,27 @@
 </file>
 
 <file path=customXml/item3.xml><?xml version="1.0" encoding="utf-8"?>
-<p:properties xmlns:p="http://schemas.microsoft.com/office/2006/metadata/properties" xmlns:xsi="http://www.w3.org/2001/XMLSchema-instance" xmlns:pc="http://schemas.microsoft.com/office/infopath/2007/PartnerControls">
-  <documentManagement/>
-</p:properties>
+<?mso-contentType ?>
+<FormTemplates xmlns="http://schemas.microsoft.com/sharepoint/v3/contenttype/forms">
+  <Display>DocumentLibraryForm</Display>
+  <Edit>DocumentLibraryForm</Edit>
+  <New>DocumentLibraryForm</New>
+</FormTemplates>
 </file>
 
 <file path=customXml/itemProps1.xml><?xml version="1.0" encoding="utf-8"?>
-<ds:datastoreItem xmlns:ds="http://schemas.openxmlformats.org/officeDocument/2006/customXml" ds:itemID="{1E63731D-55D6-48C7-A93E-889FBDFA8C63}">
+<ds:datastoreItem xmlns:ds="http://schemas.openxmlformats.org/officeDocument/2006/customXml" ds:itemID="{E10A9764-A70A-46B7-B3FF-ACE451D0597B}">
   <ds:schemaRefs>
-    <ds:schemaRef ds:uri="http://schemas.microsoft.com/sharepoint/v3/contenttype/forms"/>
+    <ds:schemaRef ds:uri="02c51461-bf24-400b-b0ac-4a58d6cbdd35"/>
+    <ds:schemaRef ds:uri="http://schemas.microsoft.com/office/2006/documentManagement/types"/>
+    <ds:schemaRef ds:uri="http://purl.org/dc/terms/"/>
+    <ds:schemaRef ds:uri="http://schemas.openxmlformats.org/package/2006/metadata/core-properties"/>
+    <ds:schemaRef ds:uri="http://purl.org/dc/dcmitype/"/>
+    <ds:schemaRef ds:uri="http://schemas.microsoft.com/office/infopath/2007/PartnerControls"/>
+    <ds:schemaRef ds:uri="6e06774a-f37f-46e7-9e87-31458e10f84f"/>
+    <ds:schemaRef ds:uri="http://purl.org/dc/elements/1.1/"/>
+    <ds:schemaRef ds:uri="http://schemas.microsoft.com/office/2006/metadata/properties"/>
+    <ds:schemaRef ds:uri="http://www.w3.org/XML/1998/namespace"/>
   </ds:schemaRefs>
 </ds:datastoreItem>
 </file>
@@ -19328,18 +19381,9 @@
 </file>
 
 <file path=customXml/itemProps3.xml><?xml version="1.0" encoding="utf-8"?>
-<ds:datastoreItem xmlns:ds="http://schemas.openxmlformats.org/officeDocument/2006/customXml" ds:itemID="{E10A9764-A70A-46B7-B3FF-ACE451D0597B}">
+<ds:datastoreItem xmlns:ds="http://schemas.openxmlformats.org/officeDocument/2006/customXml" ds:itemID="{1E63731D-55D6-48C7-A93E-889FBDFA8C63}">
   <ds:schemaRefs>
-    <ds:schemaRef ds:uri="02c51461-bf24-400b-b0ac-4a58d6cbdd35"/>
-    <ds:schemaRef ds:uri="http://schemas.microsoft.com/office/2006/documentManagement/types"/>
-    <ds:schemaRef ds:uri="http://purl.org/dc/terms/"/>
-    <ds:schemaRef ds:uri="http://schemas.openxmlformats.org/package/2006/metadata/core-properties"/>
-    <ds:schemaRef ds:uri="http://purl.org/dc/dcmitype/"/>
-    <ds:schemaRef ds:uri="http://schemas.microsoft.com/office/infopath/2007/PartnerControls"/>
-    <ds:schemaRef ds:uri="6e06774a-f37f-46e7-9e87-31458e10f84f"/>
-    <ds:schemaRef ds:uri="http://purl.org/dc/elements/1.1/"/>
-    <ds:schemaRef ds:uri="http://schemas.microsoft.com/office/2006/metadata/properties"/>
-    <ds:schemaRef ds:uri="http://www.w3.org/XML/1998/namespace"/>
+    <ds:schemaRef ds:uri="http://schemas.microsoft.com/sharepoint/v3/contenttype/forms"/>
   </ds:schemaRefs>
 </ds:datastoreItem>
 </file>
--- a/img/todolistApp_slides.pptx
+++ b/img/todolistApp_slides.pptx
@@ -22,7 +22,7 @@
     <p:sldId id="331" r:id="rId16"/>
     <p:sldId id="332" r:id="rId17"/>
     <p:sldId id="333" r:id="rId18"/>
-    <p:sldId id="315" r:id="rId19"/>
+    <p:sldId id="335" r:id="rId19"/>
     <p:sldId id="322" r:id="rId20"/>
     <p:sldId id="327" r:id="rId21"/>
     <p:sldId id="328" r:id="rId22"/>
@@ -144,7 +144,7 @@
             <p14:sldId id="331"/>
             <p14:sldId id="332"/>
             <p14:sldId id="333"/>
-            <p14:sldId id="315"/>
+            <p14:sldId id="335"/>
             <p14:sldId id="322"/>
             <p14:sldId id="327"/>
             <p14:sldId id="328"/>
@@ -4708,7 +4708,7 @@
     </p:spTree>
     <p:extLst>
       <p:ext uri="{BB962C8B-B14F-4D97-AF65-F5344CB8AC3E}">
-        <p14:creationId xmlns:p14="http://schemas.microsoft.com/office/powerpoint/2010/main" val="156875343"/>
+        <p14:creationId xmlns:p14="http://schemas.microsoft.com/office/powerpoint/2010/main" val="1620394603"/>
       </p:ext>
     </p:extLst>
   </p:cSld>
@@ -5808,6 +5808,37 @@
               <a:rPr lang="en-GB" dirty="0"/>
               <a:t> – only 25 secs </a:t>
             </a:r>
+          </a:p>
+          <a:p>
+            <a:endParaRPr lang="en-GB" dirty="0"/>
+          </a:p>
+          <a:p>
+            <a:r>
+              <a:rPr lang="en-GB" dirty="0"/>
+              <a:t>For this project, we have also written the comprehensive design doc. At the end of this doc, you see this git and </a:t>
+            </a:r>
+            <a:r>
+              <a:rPr lang="en-GB" dirty="0" err="1"/>
+              <a:t>github</a:t>
+            </a:r>
+            <a:r>
+              <a:rPr lang="en-GB" dirty="0"/>
+              <a:t> guideline we follow for the code management.</a:t>
+            </a:r>
+          </a:p>
+          <a:p>
+            <a:endParaRPr lang="en-GB" dirty="0"/>
+          </a:p>
+          <a:p>
+            <a:r>
+              <a:rPr lang="en-GB" dirty="0"/>
+              <a:t>For </a:t>
+            </a:r>
+            <a:r>
+              <a:rPr lang="en-GB" dirty="0" err="1"/>
+              <a:t>indi</a:t>
+            </a:r>
+            <a:endParaRPr lang="en-GB" dirty="0"/>
           </a:p>
         </p:txBody>
       </p:sp>
@@ -10296,7 +10327,7 @@
         <p:spPr>
           <a:xfrm>
             <a:off x="63931" y="1042510"/>
-            <a:ext cx="2183626" cy="923330"/>
+            <a:ext cx="2183626" cy="646331"/>
           </a:xfrm>
           <a:prstGeom prst="rect">
             <a:avLst/>
@@ -10318,7 +10349,7 @@
                 <a:latin typeface="Browallia New" panose="020B0502040204020203" pitchFamily="34" charset="-34"/>
                 <a:cs typeface="Browallia New" panose="020B0502040204020203" pitchFamily="34" charset="-34"/>
               </a:rPr>
-              <a:t>Agile Project Methodology &amp; </a:t>
+              <a:t>Code Review , CI/CD &amp; </a:t>
             </a:r>
           </a:p>
           <a:p>
@@ -10355,8 +10386,8 @@
         </p:nvSpPr>
         <p:spPr>
           <a:xfrm>
-            <a:off x="166711" y="1875601"/>
-            <a:ext cx="1892596" cy="2334892"/>
+            <a:off x="166711" y="1875600"/>
+            <a:ext cx="1892596" cy="3279105"/>
           </a:xfrm>
           <a:prstGeom prst="roundRect">
             <a:avLst/>
@@ -10409,42 +10440,46 @@
         </p:nvSpPr>
         <p:spPr>
           <a:xfrm>
-            <a:off x="2303277" y="1875601"/>
-            <a:ext cx="1892596" cy="2306984"/>
+            <a:off x="2303277" y="1875600"/>
+            <a:ext cx="1892596" cy="3152999"/>
           </a:xfrm>
           <a:custGeom>
             <a:avLst/>
             <a:gdLst>
               <a:gd name="connsiteX0" fmla="*/ 0 w 1892596"/>
-              <a:gd name="connsiteY0" fmla="*/ 315439 h 2306984"/>
+              <a:gd name="connsiteY0" fmla="*/ 315439 h 3152999"/>
               <a:gd name="connsiteX1" fmla="*/ 315439 w 1892596"/>
-              <a:gd name="connsiteY1" fmla="*/ 0 h 2306984"/>
+              <a:gd name="connsiteY1" fmla="*/ 0 h 3152999"/>
               <a:gd name="connsiteX2" fmla="*/ 946298 w 1892596"/>
-              <a:gd name="connsiteY2" fmla="*/ 0 h 2306984"/>
+              <a:gd name="connsiteY2" fmla="*/ 0 h 3152999"/>
               <a:gd name="connsiteX3" fmla="*/ 1577157 w 1892596"/>
-              <a:gd name="connsiteY3" fmla="*/ 0 h 2306984"/>
+              <a:gd name="connsiteY3" fmla="*/ 0 h 3152999"/>
               <a:gd name="connsiteX4" fmla="*/ 1892596 w 1892596"/>
-              <a:gd name="connsiteY4" fmla="*/ 315439 h 2306984"/>
+              <a:gd name="connsiteY4" fmla="*/ 315439 h 3152999"/>
               <a:gd name="connsiteX5" fmla="*/ 1892596 w 1892596"/>
-              <a:gd name="connsiteY5" fmla="*/ 823858 h 2306984"/>
+              <a:gd name="connsiteY5" fmla="*/ 870306 h 3152999"/>
               <a:gd name="connsiteX6" fmla="*/ 1892596 w 1892596"/>
-              <a:gd name="connsiteY6" fmla="*/ 1365799 h 2306984"/>
+              <a:gd name="connsiteY6" fmla="*/ 1475615 h 3152999"/>
               <a:gd name="connsiteX7" fmla="*/ 1892596 w 1892596"/>
-              <a:gd name="connsiteY7" fmla="*/ 1991545 h 2306984"/>
-              <a:gd name="connsiteX8" fmla="*/ 1577157 w 1892596"/>
-              <a:gd name="connsiteY8" fmla="*/ 2306984 h 2306984"/>
-              <a:gd name="connsiteX9" fmla="*/ 984150 w 1892596"/>
-              <a:gd name="connsiteY9" fmla="*/ 2306984 h 2306984"/>
-              <a:gd name="connsiteX10" fmla="*/ 315439 w 1892596"/>
-              <a:gd name="connsiteY10" fmla="*/ 2306984 h 2306984"/>
-              <a:gd name="connsiteX11" fmla="*/ 0 w 1892596"/>
-              <a:gd name="connsiteY11" fmla="*/ 1991545 h 2306984"/>
+              <a:gd name="connsiteY7" fmla="*/ 2106145 h 3152999"/>
+              <a:gd name="connsiteX8" fmla="*/ 1892596 w 1892596"/>
+              <a:gd name="connsiteY8" fmla="*/ 2837560 h 3152999"/>
+              <a:gd name="connsiteX9" fmla="*/ 1577157 w 1892596"/>
+              <a:gd name="connsiteY9" fmla="*/ 3152999 h 3152999"/>
+              <a:gd name="connsiteX10" fmla="*/ 933681 w 1892596"/>
+              <a:gd name="connsiteY10" fmla="*/ 3152999 h 3152999"/>
+              <a:gd name="connsiteX11" fmla="*/ 315439 w 1892596"/>
+              <a:gd name="connsiteY11" fmla="*/ 3152999 h 3152999"/>
               <a:gd name="connsiteX12" fmla="*/ 0 w 1892596"/>
-              <a:gd name="connsiteY12" fmla="*/ 1483126 h 2306984"/>
+              <a:gd name="connsiteY12" fmla="*/ 2837560 h 3152999"/>
               <a:gd name="connsiteX13" fmla="*/ 0 w 1892596"/>
-              <a:gd name="connsiteY13" fmla="*/ 890902 h 2306984"/>
+              <a:gd name="connsiteY13" fmla="*/ 2207030 h 3152999"/>
               <a:gd name="connsiteX14" fmla="*/ 0 w 1892596"/>
-              <a:gd name="connsiteY14" fmla="*/ 315439 h 2306984"/>
+              <a:gd name="connsiteY14" fmla="*/ 1601721 h 3152999"/>
+              <a:gd name="connsiteX15" fmla="*/ 0 w 1892596"/>
+              <a:gd name="connsiteY15" fmla="*/ 971190 h 3152999"/>
+              <a:gd name="connsiteX16" fmla="*/ 0 w 1892596"/>
+              <a:gd name="connsiteY16" fmla="*/ 315439 h 3152999"/>
             </a:gdLst>
             <a:ahLst/>
             <a:cxnLst>
@@ -10493,10 +10528,16 @@
               <a:cxn ang="0">
                 <a:pos x="connsiteX14" y="connsiteY14"/>
               </a:cxn>
+              <a:cxn ang="0">
+                <a:pos x="connsiteX15" y="connsiteY15"/>
+              </a:cxn>
+              <a:cxn ang="0">
+                <a:pos x="connsiteX16" y="connsiteY16"/>
+              </a:cxn>
             </a:cxnLst>
             <a:rect l="l" t="t" r="r" b="b"/>
             <a:pathLst>
-              <a:path w="1892596" h="2306984" extrusionOk="0">
+              <a:path w="1892596" h="3152999" extrusionOk="0">
                 <a:moveTo>
                   <a:pt x="0" y="315439"/>
                 </a:moveTo>
@@ -10521,53 +10562,63 @@
                   <a:pt x="1892596" y="315439"/>
                 </a:cubicBezTo>
                 <a:cubicBezTo>
-                  <a:pt x="1868635" y="512329"/>
-                  <a:pt x="1916784" y="624506"/>
-                  <a:pt x="1892596" y="823858"/>
+                  <a:pt x="1900305" y="487979"/>
+                  <a:pt x="1890632" y="753471"/>
+                  <a:pt x="1892596" y="870306"/>
                 </a:cubicBezTo>
                 <a:cubicBezTo>
-                  <a:pt x="1868408" y="1023210"/>
-                  <a:pt x="1879866" y="1109294"/>
-                  <a:pt x="1892596" y="1365799"/>
+                  <a:pt x="1894560" y="987141"/>
+                  <a:pt x="1917128" y="1194609"/>
+                  <a:pt x="1892596" y="1475615"/>
                 </a:cubicBezTo>
                 <a:cubicBezTo>
-                  <a:pt x="1905326" y="1622304"/>
-                  <a:pt x="1910272" y="1737089"/>
-                  <a:pt x="1892596" y="1991545"/>
+                  <a:pt x="1868064" y="1756621"/>
+                  <a:pt x="1877839" y="1807148"/>
+                  <a:pt x="1892596" y="2106145"/>
                 </a:cubicBezTo>
                 <a:cubicBezTo>
-                  <a:pt x="1912157" y="2145150"/>
-                  <a:pt x="1777846" y="2310703"/>
-                  <a:pt x="1577157" y="2306984"/>
+                  <a:pt x="1907354" y="2405142"/>
+                  <a:pt x="1856631" y="2667679"/>
+                  <a:pt x="1892596" y="2837560"/>
                 </a:cubicBezTo>
                 <a:cubicBezTo>
-                  <a:pt x="1398216" y="2310870"/>
-                  <a:pt x="1251042" y="2334343"/>
-                  <a:pt x="984150" y="2306984"/>
+                  <a:pt x="1902532" y="2997391"/>
+                  <a:pt x="1733470" y="3156240"/>
+                  <a:pt x="1577157" y="3152999"/>
                 </a:cubicBezTo>
                 <a:cubicBezTo>
-                  <a:pt x="717258" y="2279625"/>
-                  <a:pt x="468780" y="2287626"/>
-                  <a:pt x="315439" y="2306984"/>
+                  <a:pt x="1311400" y="3150363"/>
+                  <a:pt x="1110108" y="3182661"/>
+                  <a:pt x="933681" y="3152999"/>
                 </a:cubicBezTo>
                 <a:cubicBezTo>
-                  <a:pt x="138264" y="2287155"/>
-                  <a:pt x="10474" y="2136976"/>
-                  <a:pt x="0" y="1991545"/>
+                  <a:pt x="757254" y="3123337"/>
+                  <a:pt x="570656" y="3177066"/>
+                  <a:pt x="315439" y="3152999"/>
                 </a:cubicBezTo>
                 <a:cubicBezTo>
-                  <a:pt x="23269" y="1865958"/>
-                  <a:pt x="4150" y="1684615"/>
-                  <a:pt x="0" y="1483126"/>
+                  <a:pt x="120871" y="3188150"/>
+                  <a:pt x="-40864" y="2998690"/>
+                  <a:pt x="0" y="2837560"/>
                 </a:cubicBezTo>
                 <a:cubicBezTo>
-                  <a:pt x="-4150" y="1281637"/>
-                  <a:pt x="15000" y="1030127"/>
-                  <a:pt x="0" y="890902"/>
+                  <a:pt x="-21767" y="2647693"/>
+                  <a:pt x="-10717" y="2336545"/>
+                  <a:pt x="0" y="2207030"/>
                 </a:cubicBezTo>
                 <a:cubicBezTo>
-                  <a:pt x="-15000" y="751677"/>
-                  <a:pt x="-12211" y="593571"/>
+                  <a:pt x="10717" y="2077515"/>
+                  <a:pt x="6799" y="1844921"/>
+                  <a:pt x="0" y="1601721"/>
+                </a:cubicBezTo>
+                <a:cubicBezTo>
+                  <a:pt x="-6799" y="1358521"/>
+                  <a:pt x="20110" y="1170937"/>
+                  <a:pt x="0" y="971190"/>
+                </a:cubicBezTo>
+                <a:cubicBezTo>
+                  <a:pt x="-20110" y="771443"/>
+                  <a:pt x="-9916" y="576039"/>
                   <a:pt x="0" y="315439"/>
                 </a:cubicBezTo>
                 <a:close/>
@@ -10710,7 +10761,7 @@
         <p:spPr>
           <a:xfrm>
             <a:off x="5860731" y="1875600"/>
-            <a:ext cx="1892596" cy="2306984"/>
+            <a:ext cx="1892596" cy="3081880"/>
           </a:xfrm>
           <a:prstGeom prst="roundRect">
             <a:avLst/>
@@ -10889,8 +10940,8 @@
         </p:nvSpPr>
         <p:spPr>
           <a:xfrm>
-            <a:off x="4486903" y="1875601"/>
-            <a:ext cx="1073622" cy="2306984"/>
+            <a:off x="4486903" y="1875600"/>
+            <a:ext cx="1073622" cy="3081881"/>
           </a:xfrm>
           <a:prstGeom prst="roundRect">
             <a:avLst/>
@@ -11053,10 +11104,40 @@
           </a:extLst>
         </p:spPr>
       </p:pic>
+      <p:pic>
+        <p:nvPicPr>
+          <p:cNvPr id="22" name="Picture 21">
+            <a:extLst>
+              <a:ext uri="{FF2B5EF4-FFF2-40B4-BE49-F238E27FC236}">
+                <a16:creationId xmlns:a16="http://schemas.microsoft.com/office/drawing/2014/main" id="{DD1D4FCA-EE44-471B-896B-48DF619CD7B5}"/>
+              </a:ext>
+            </a:extLst>
+          </p:cNvPr>
+          <p:cNvPicPr>
+            <a:picLocks noChangeAspect="1"/>
+          </p:cNvPicPr>
+          <p:nvPr/>
+        </p:nvPicPr>
+        <p:blipFill>
+          <a:blip r:embed="rId11"/>
+          <a:stretch>
+            <a:fillRect/>
+          </a:stretch>
+        </p:blipFill>
+        <p:spPr>
+          <a:xfrm>
+            <a:off x="185526" y="4105270"/>
+            <a:ext cx="1846660" cy="923330"/>
+          </a:xfrm>
+          <a:prstGeom prst="rect">
+            <a:avLst/>
+          </a:prstGeom>
+        </p:spPr>
+      </p:pic>
     </p:spTree>
     <p:extLst>
       <p:ext uri="{BB962C8B-B14F-4D97-AF65-F5344CB8AC3E}">
-        <p14:creationId xmlns:p14="http://schemas.microsoft.com/office/powerpoint/2010/main" val="3629537528"/>
+        <p14:creationId xmlns:p14="http://schemas.microsoft.com/office/powerpoint/2010/main" val="2823417288"/>
       </p:ext>
     </p:extLst>
   </p:cSld>
@@ -19159,9 +19240,12 @@
 </file>
 
 <file path=customXml/item1.xml><?xml version="1.0" encoding="utf-8"?>
-<p:properties xmlns:p="http://schemas.microsoft.com/office/2006/metadata/properties" xmlns:xsi="http://www.w3.org/2001/XMLSchema-instance" xmlns:pc="http://schemas.microsoft.com/office/infopath/2007/PartnerControls">
-  <documentManagement/>
-</p:properties>
+<?mso-contentType ?>
+<FormTemplates xmlns="http://schemas.microsoft.com/sharepoint/v3/contenttype/forms">
+  <Display>DocumentLibraryForm</Display>
+  <Edit>DocumentLibraryForm</Edit>
+  <New>DocumentLibraryForm</New>
+</FormTemplates>
 </file>
 
 <file path=customXml/item2.xml><?xml version="1.0" encoding="utf-8"?>
@@ -19336,27 +19420,15 @@
 </file>
 
 <file path=customXml/item3.xml><?xml version="1.0" encoding="utf-8"?>
-<?mso-contentType ?>
-<FormTemplates xmlns="http://schemas.microsoft.com/sharepoint/v3/contenttype/forms">
-  <Display>DocumentLibraryForm</Display>
-  <Edit>DocumentLibraryForm</Edit>
-  <New>DocumentLibraryForm</New>
-</FormTemplates>
+<p:properties xmlns:p="http://schemas.microsoft.com/office/2006/metadata/properties" xmlns:xsi="http://www.w3.org/2001/XMLSchema-instance" xmlns:pc="http://schemas.microsoft.com/office/infopath/2007/PartnerControls">
+  <documentManagement/>
+</p:properties>
 </file>
 
 <file path=customXml/itemProps1.xml><?xml version="1.0" encoding="utf-8"?>
-<ds:datastoreItem xmlns:ds="http://schemas.openxmlformats.org/officeDocument/2006/customXml" ds:itemID="{E10A9764-A70A-46B7-B3FF-ACE451D0597B}">
+<ds:datastoreItem xmlns:ds="http://schemas.openxmlformats.org/officeDocument/2006/customXml" ds:itemID="{1E63731D-55D6-48C7-A93E-889FBDFA8C63}">
   <ds:schemaRefs>
-    <ds:schemaRef ds:uri="02c51461-bf24-400b-b0ac-4a58d6cbdd35"/>
-    <ds:schemaRef ds:uri="http://schemas.microsoft.com/office/2006/documentManagement/types"/>
-    <ds:schemaRef ds:uri="http://purl.org/dc/terms/"/>
-    <ds:schemaRef ds:uri="http://schemas.openxmlformats.org/package/2006/metadata/core-properties"/>
-    <ds:schemaRef ds:uri="http://purl.org/dc/dcmitype/"/>
-    <ds:schemaRef ds:uri="http://schemas.microsoft.com/office/infopath/2007/PartnerControls"/>
-    <ds:schemaRef ds:uri="6e06774a-f37f-46e7-9e87-31458e10f84f"/>
-    <ds:schemaRef ds:uri="http://purl.org/dc/elements/1.1/"/>
-    <ds:schemaRef ds:uri="http://schemas.microsoft.com/office/2006/metadata/properties"/>
-    <ds:schemaRef ds:uri="http://www.w3.org/XML/1998/namespace"/>
+    <ds:schemaRef ds:uri="http://schemas.microsoft.com/sharepoint/v3/contenttype/forms"/>
   </ds:schemaRefs>
 </ds:datastoreItem>
 </file>
@@ -19381,9 +19453,18 @@
 </file>
 
 <file path=customXml/itemProps3.xml><?xml version="1.0" encoding="utf-8"?>
-<ds:datastoreItem xmlns:ds="http://schemas.openxmlformats.org/officeDocument/2006/customXml" ds:itemID="{1E63731D-55D6-48C7-A93E-889FBDFA8C63}">
+<ds:datastoreItem xmlns:ds="http://schemas.openxmlformats.org/officeDocument/2006/customXml" ds:itemID="{E10A9764-A70A-46B7-B3FF-ACE451D0597B}">
   <ds:schemaRefs>
-    <ds:schemaRef ds:uri="http://schemas.microsoft.com/sharepoint/v3/contenttype/forms"/>
+    <ds:schemaRef ds:uri="02c51461-bf24-400b-b0ac-4a58d6cbdd35"/>
+    <ds:schemaRef ds:uri="http://schemas.microsoft.com/office/2006/documentManagement/types"/>
+    <ds:schemaRef ds:uri="http://purl.org/dc/terms/"/>
+    <ds:schemaRef ds:uri="http://schemas.openxmlformats.org/package/2006/metadata/core-properties"/>
+    <ds:schemaRef ds:uri="http://purl.org/dc/dcmitype/"/>
+    <ds:schemaRef ds:uri="http://schemas.microsoft.com/office/infopath/2007/PartnerControls"/>
+    <ds:schemaRef ds:uri="6e06774a-f37f-46e7-9e87-31458e10f84f"/>
+    <ds:schemaRef ds:uri="http://purl.org/dc/elements/1.1/"/>
+    <ds:schemaRef ds:uri="http://schemas.microsoft.com/office/2006/metadata/properties"/>
+    <ds:schemaRef ds:uri="http://www.w3.org/XML/1998/namespace"/>
   </ds:schemaRefs>
 </ds:datastoreItem>
 </file>